--- a/database/slides/CREATE IN ME.pptx
+++ b/database/slides/CREATE IN ME.pptx
@@ -757,7 +757,7 @@
             </a:pPr>
             <a:r>
               <a:rPr lang="en-US"/>
-              <a:t>RECEIPPT-TAGS:COMMUNION89</a:t>
+              <a:t>RECEIPPT-TAGS:COMMUNION</a:t>
             </a:r>
             <a:endParaRPr dirty="0"/>
           </a:p>
